--- a/TDDD63 - Perspective in Computer Science and Computer Engineering.pptx
+++ b/TDDD63 - Perspective in Computer Science and Computer Engineering.pptx
@@ -418,7 +418,7 @@
         <p:spPr>
           <a:xfrm>
             <a:off x="381300" y="685800"/>
-            <a:ext cx="6096000" cy="3429000"/>
+            <a:ext cx="6096075" cy="3429000"/>
           </a:xfrm>
           <a:custGeom>
             <a:pathLst>
@@ -500,7 +500,7 @@
   <p:cSld>
     <p:spTree>
       <p:nvGrpSpPr>
-        <p:cNvPr id="61" name="Shape 61"/>
+        <p:cNvPr id="62" name="Shape 62"/>
         <p:cNvGrpSpPr/>
         <p:nvPr/>
       </p:nvGrpSpPr>
@@ -514,7 +514,7 @@
       </p:grpSpPr>
       <p:sp>
         <p:nvSpPr>
-          <p:cNvPr id="62" name="Shape 62"/>
+          <p:cNvPr id="63" name="Shape 63"/>
           <p:cNvSpPr/>
           <p:nvPr>
             <p:ph idx="2" type="sldImg"/>
@@ -523,7 +523,7 @@
         <p:spPr>
           <a:xfrm>
             <a:off x="381300" y="685800"/>
-            <a:ext cx="6096075" cy="3429000"/>
+            <a:ext cx="6096000" cy="3429000"/>
           </a:xfrm>
           <a:custGeom>
             <a:pathLst>
@@ -558,7 +558,7 @@
       </p:sp>
       <p:sp>
         <p:nvSpPr>
-          <p:cNvPr id="63" name="Shape 63"/>
+          <p:cNvPr id="64" name="Shape 64"/>
           <p:cNvSpPr txBox="1"/>
           <p:nvPr>
             <p:ph idx="1" type="body"/>
@@ -710,7 +710,7 @@
   <p:cSld>
     <p:spTree>
       <p:nvGrpSpPr>
-        <p:cNvPr id="74" name="Shape 74"/>
+        <p:cNvPr id="72" name="Shape 72"/>
         <p:cNvGrpSpPr/>
         <p:nvPr/>
       </p:nvGrpSpPr>
@@ -724,7 +724,7 @@
       </p:grpSpPr>
       <p:sp>
         <p:nvSpPr>
-          <p:cNvPr id="75" name="Shape 75"/>
+          <p:cNvPr id="73" name="Shape 73"/>
           <p:cNvSpPr/>
           <p:nvPr>
             <p:ph idx="2" type="sldImg"/>
@@ -768,7 +768,7 @@
       </p:sp>
       <p:sp>
         <p:nvSpPr>
-          <p:cNvPr id="76" name="Shape 76"/>
+          <p:cNvPr id="74" name="Shape 74"/>
           <p:cNvSpPr txBox="1"/>
           <p:nvPr>
             <p:ph idx="1" type="body"/>
@@ -815,7 +815,7 @@
   <p:cSld>
     <p:spTree>
       <p:nvGrpSpPr>
-        <p:cNvPr id="82" name="Shape 82"/>
+        <p:cNvPr id="80" name="Shape 80"/>
         <p:cNvGrpSpPr/>
         <p:nvPr/>
       </p:nvGrpSpPr>
@@ -829,7 +829,7 @@
       </p:grpSpPr>
       <p:sp>
         <p:nvSpPr>
-          <p:cNvPr id="83" name="Shape 83"/>
+          <p:cNvPr id="81" name="Shape 81"/>
           <p:cNvSpPr/>
           <p:nvPr>
             <p:ph idx="2" type="sldImg"/>
@@ -873,7 +873,7 @@
       </p:sp>
       <p:sp>
         <p:nvSpPr>
-          <p:cNvPr id="84" name="Shape 84"/>
+          <p:cNvPr id="82" name="Shape 82"/>
           <p:cNvSpPr txBox="1"/>
           <p:nvPr>
             <p:ph idx="1" type="body"/>
@@ -4618,25 +4618,25 @@
           <p:cNvPr id="59" name="Shape 59"/>
           <p:cNvSpPr txBox="1"/>
           <p:nvPr>
-            <p:ph type="title"/>
+            <p:ph type="ctrTitle"/>
           </p:nvPr>
         </p:nvSpPr>
         <p:spPr>
           <a:xfrm>
-            <a:off x="311700" y="445025"/>
-            <a:ext cx="8520599" cy="572699"/>
+            <a:off x="671250" y="102950"/>
+            <a:ext cx="7801500" cy="874199"/>
           </a:xfrm>
           <a:prstGeom prst="rect">
             <a:avLst/>
           </a:prstGeom>
         </p:spPr>
         <p:txBody>
-          <a:bodyPr anchorCtr="0" anchor="t" bIns="91425" lIns="91425" rIns="91425" tIns="91425">
+          <a:bodyPr anchorCtr="0" anchor="b" bIns="91425" lIns="91425" rIns="91425" tIns="91425">
             <a:noAutofit/>
           </a:bodyPr>
           <a:lstStyle/>
           <a:p>
-            <a:pPr lvl="0" algn="ctr">
+            <a:pPr lvl="0">
               <a:spcBef>
                 <a:spcPts val="0"/>
               </a:spcBef>
@@ -4644,14 +4644,42 @@
             </a:pPr>
             <a:r>
               <a:rPr lang="sv"/>
-              <a:t>TDDD63 - Perspectives in Computer Science and Computer Engineering</a:t>
+              <a:t>Capture the flag</a:t>
             </a:r>
           </a:p>
         </p:txBody>
       </p:sp>
+      <p:pic>
+        <p:nvPicPr>
+          <p:cNvPr id="60" name="Shape 60"/>
+          <p:cNvPicPr preferRelativeResize="0"/>
+          <p:nvPr/>
+        </p:nvPicPr>
+        <p:blipFill>
+          <a:blip r:embed="rId3">
+            <a:alphaModFix/>
+          </a:blip>
+          <a:stretch>
+            <a:fillRect/>
+          </a:stretch>
+        </p:blipFill>
+        <p:spPr>
+          <a:xfrm>
+            <a:off x="3724950" y="1088050"/>
+            <a:ext cx="5081223" cy="3810924"/>
+          </a:xfrm>
+          <a:prstGeom prst="rect">
+            <a:avLst/>
+          </a:prstGeom>
+          <a:noFill/>
+          <a:ln>
+            <a:noFill/>
+          </a:ln>
+        </p:spPr>
+      </p:pic>
       <p:sp>
         <p:nvSpPr>
-          <p:cNvPr id="60" name="Shape 60"/>
+          <p:cNvPr id="61" name="Shape 61"/>
           <p:cNvSpPr txBox="1"/>
           <p:nvPr>
             <p:ph idx="1" type="body"/>
@@ -4659,8 +4687,8 @@
         </p:nvSpPr>
         <p:spPr>
           <a:xfrm>
-            <a:off x="311700" y="2226475"/>
-            <a:ext cx="8520599" cy="2342399"/>
+            <a:off x="634825" y="1822312"/>
+            <a:ext cx="2754600" cy="2342399"/>
           </a:xfrm>
           <a:prstGeom prst="rect">
             <a:avLst/>
@@ -4708,7 +4736,7 @@
             </a:r>
           </a:p>
           <a:p>
-            <a:pPr lvl="0" algn="ctr">
+            <a:pPr lvl="0" rtl="0" algn="ctr">
               <a:spcBef>
                 <a:spcPts val="0"/>
               </a:spcBef>
@@ -4737,7 +4765,7 @@
   <p:cSld>
     <p:spTree>
       <p:nvGrpSpPr>
-        <p:cNvPr id="64" name="Shape 64"/>
+        <p:cNvPr id="65" name="Shape 65"/>
         <p:cNvGrpSpPr/>
         <p:nvPr/>
       </p:nvGrpSpPr>
@@ -4749,42 +4777,6 @@
           <a:chExt cx="0" cy="0"/>
         </a:xfrm>
       </p:grpSpPr>
-      <p:sp>
-        <p:nvSpPr>
-          <p:cNvPr id="65" name="Shape 65"/>
-          <p:cNvSpPr txBox="1"/>
-          <p:nvPr>
-            <p:ph type="ctrTitle"/>
-          </p:nvPr>
-        </p:nvSpPr>
-        <p:spPr>
-          <a:xfrm>
-            <a:off x="671250" y="102950"/>
-            <a:ext cx="7801500" cy="874199"/>
-          </a:xfrm>
-          <a:prstGeom prst="rect">
-            <a:avLst/>
-          </a:prstGeom>
-        </p:spPr>
-        <p:txBody>
-          <a:bodyPr anchorCtr="0" anchor="b" bIns="91425" lIns="91425" rIns="91425" tIns="91425">
-            <a:noAutofit/>
-          </a:bodyPr>
-          <a:lstStyle/>
-          <a:p>
-            <a:pPr lvl="0">
-              <a:spcBef>
-                <a:spcPts val="0"/>
-              </a:spcBef>
-              <a:buNone/>
-            </a:pPr>
-            <a:r>
-              <a:rPr lang="sv"/>
-              <a:t>Capture the flag</a:t>
-            </a:r>
-          </a:p>
-        </p:txBody>
-      </p:sp>
       <p:pic>
         <p:nvPicPr>
           <p:cNvPr id="66" name="Shape 66"/>
@@ -4801,8 +4793,8 @@
         </p:blipFill>
         <p:spPr>
           <a:xfrm>
-            <a:off x="2019350" y="1070000"/>
-            <a:ext cx="5105300" cy="3828975"/>
+            <a:off x="152400" y="152400"/>
+            <a:ext cx="8524875" cy="4305300"/>
           </a:xfrm>
           <a:prstGeom prst="rect">
             <a:avLst/>
@@ -4841,275 +4833,9 @@
           <a:chExt cx="0" cy="0"/>
         </a:xfrm>
       </p:grpSpPr>
-      <p:sp>
-        <p:nvSpPr>
-          <p:cNvPr id="71" name="Shape 71"/>
-          <p:cNvSpPr txBox="1"/>
-          <p:nvPr>
-            <p:ph type="title"/>
-          </p:nvPr>
-        </p:nvSpPr>
-        <p:spPr>
-          <a:xfrm>
-            <a:off x="311700" y="451850"/>
-            <a:ext cx="8520599" cy="572699"/>
-          </a:xfrm>
-          <a:prstGeom prst="rect">
-            <a:avLst/>
-          </a:prstGeom>
-        </p:spPr>
-        <p:txBody>
-          <a:bodyPr anchorCtr="0" anchor="t" bIns="91425" lIns="91425" rIns="91425" tIns="91425">
-            <a:noAutofit/>
-          </a:bodyPr>
-          <a:lstStyle/>
-          <a:p>
-            <a:pPr lvl="0" algn="ctr">
-              <a:spcBef>
-                <a:spcPts val="0"/>
-              </a:spcBef>
-              <a:buNone/>
-            </a:pPr>
-            <a:r>
-              <a:rPr lang="sv"/>
-              <a:t>Features</a:t>
-            </a:r>
-          </a:p>
-        </p:txBody>
-      </p:sp>
-      <p:sp>
-        <p:nvSpPr>
-          <p:cNvPr id="72" name="Shape 72"/>
-          <p:cNvSpPr txBox="1"/>
-          <p:nvPr/>
-        </p:nvSpPr>
-        <p:spPr>
-          <a:xfrm>
-            <a:off x="1319200" y="1450200"/>
-            <a:ext cx="3442500" cy="833399"/>
-          </a:xfrm>
-          <a:prstGeom prst="rect">
-            <a:avLst/>
-          </a:prstGeom>
-          <a:noFill/>
-          <a:ln>
-            <a:noFill/>
-          </a:ln>
-        </p:spPr>
-        <p:txBody>
-          <a:bodyPr anchorCtr="0" anchor="t" bIns="91425" lIns="91425" rIns="91425" tIns="91425">
-            <a:noAutofit/>
-          </a:bodyPr>
-          <a:lstStyle/>
-          <a:p>
-            <a:pPr indent="-228600" lvl="0" marL="457200" rtl="0">
-              <a:spcBef>
-                <a:spcPts val="0"/>
-              </a:spcBef>
-              <a:buClr>
-                <a:srgbClr val="FFFFFF"/>
-              </a:buClr>
-              <a:buChar char="●"/>
-            </a:pPr>
-            <a:r>
-              <a:rPr lang="sv">
-                <a:solidFill>
-                  <a:srgbClr val="FFFFFF"/>
-                </a:solidFill>
-              </a:rPr>
-              <a:t>Menus</a:t>
-            </a:r>
-          </a:p>
-          <a:p>
-            <a:pPr lvl="0" rtl="0">
-              <a:spcBef>
-                <a:spcPts val="0"/>
-              </a:spcBef>
-              <a:buNone/>
-            </a:pPr>
-            <a:r>
-              <a:t/>
-            </a:r>
-            <a:endParaRPr>
-              <a:solidFill>
-                <a:srgbClr val="FFFFFF"/>
-              </a:solidFill>
-            </a:endParaRPr>
-          </a:p>
-          <a:p>
-            <a:pPr lvl="0" rtl="0">
-              <a:spcBef>
-                <a:spcPts val="0"/>
-              </a:spcBef>
-              <a:buNone/>
-            </a:pPr>
-            <a:r>
-              <a:t/>
-            </a:r>
-            <a:endParaRPr>
-              <a:solidFill>
-                <a:srgbClr val="FFFFFF"/>
-              </a:solidFill>
-            </a:endParaRPr>
-          </a:p>
-          <a:p>
-            <a:pPr indent="-228600" lvl="0" marL="457200" rtl="0">
-              <a:spcBef>
-                <a:spcPts val="0"/>
-              </a:spcBef>
-              <a:buClr>
-                <a:srgbClr val="FFFFFF"/>
-              </a:buClr>
-              <a:buChar char="●"/>
-            </a:pPr>
-            <a:r>
-              <a:rPr lang="sv">
-                <a:solidFill>
-                  <a:srgbClr val="FFFFFF"/>
-                </a:solidFill>
-              </a:rPr>
-              <a:t>Maps</a:t>
-            </a:r>
-          </a:p>
-          <a:p>
-            <a:pPr lvl="0" rtl="0">
-              <a:spcBef>
-                <a:spcPts val="0"/>
-              </a:spcBef>
-              <a:buNone/>
-            </a:pPr>
-            <a:r>
-              <a:t/>
-            </a:r>
-            <a:endParaRPr>
-              <a:solidFill>
-                <a:srgbClr val="FFFFFF"/>
-              </a:solidFill>
-            </a:endParaRPr>
-          </a:p>
-          <a:p>
-            <a:pPr lvl="0" rtl="0">
-              <a:spcBef>
-                <a:spcPts val="0"/>
-              </a:spcBef>
-              <a:buNone/>
-            </a:pPr>
-            <a:r>
-              <a:t/>
-            </a:r>
-            <a:endParaRPr>
-              <a:solidFill>
-                <a:srgbClr val="FFFFFF"/>
-              </a:solidFill>
-            </a:endParaRPr>
-          </a:p>
-          <a:p>
-            <a:pPr indent="-228600" lvl="0" marL="457200" rtl="0">
-              <a:spcBef>
-                <a:spcPts val="0"/>
-              </a:spcBef>
-              <a:buClr>
-                <a:srgbClr val="FFFFFF"/>
-              </a:buClr>
-              <a:buChar char="●"/>
-            </a:pPr>
-            <a:r>
-              <a:rPr lang="sv">
-                <a:solidFill>
-                  <a:srgbClr val="FFFFFF"/>
-                </a:solidFill>
-              </a:rPr>
-              <a:t>Art</a:t>
-            </a:r>
-          </a:p>
-          <a:p>
-            <a:pPr lvl="0" rtl="0">
-              <a:spcBef>
-                <a:spcPts val="0"/>
-              </a:spcBef>
-              <a:buNone/>
-            </a:pPr>
-            <a:r>
-              <a:t/>
-            </a:r>
-            <a:endParaRPr>
-              <a:solidFill>
-                <a:srgbClr val="FFFFFF"/>
-              </a:solidFill>
-            </a:endParaRPr>
-          </a:p>
-          <a:p>
-            <a:pPr lvl="0" rtl="0">
-              <a:spcBef>
-                <a:spcPts val="0"/>
-              </a:spcBef>
-              <a:buNone/>
-            </a:pPr>
-            <a:r>
-              <a:t/>
-            </a:r>
-            <a:endParaRPr>
-              <a:solidFill>
-                <a:srgbClr val="FFFFFF"/>
-              </a:solidFill>
-            </a:endParaRPr>
-          </a:p>
-          <a:p>
-            <a:pPr indent="-228600" lvl="0" marL="457200" rtl="0">
-              <a:spcBef>
-                <a:spcPts val="0"/>
-              </a:spcBef>
-              <a:buClr>
-                <a:srgbClr val="FFFFFF"/>
-              </a:buClr>
-              <a:buChar char="●"/>
-            </a:pPr>
-            <a:r>
-              <a:rPr lang="sv">
-                <a:solidFill>
-                  <a:srgbClr val="FFFFFF"/>
-                </a:solidFill>
-              </a:rPr>
-              <a:t>Multiplayer</a:t>
-            </a:r>
-          </a:p>
-          <a:p>
-            <a:pPr lvl="0" rtl="0">
-              <a:spcBef>
-                <a:spcPts val="0"/>
-              </a:spcBef>
-              <a:buNone/>
-            </a:pPr>
-            <a:r>
-              <a:t/>
-            </a:r>
-            <a:endParaRPr>
-              <a:solidFill>
-                <a:srgbClr val="FFFFFF"/>
-              </a:solidFill>
-            </a:endParaRPr>
-          </a:p>
-          <a:p>
-            <a:pPr lvl="0" rtl="0">
-              <a:spcBef>
-                <a:spcPts val="0"/>
-              </a:spcBef>
-              <a:buNone/>
-            </a:pPr>
-            <a:r>
-              <a:t/>
-            </a:r>
-            <a:endParaRPr>
-              <a:solidFill>
-                <a:srgbClr val="FFFFFF"/>
-              </a:solidFill>
-            </a:endParaRPr>
-          </a:p>
-        </p:txBody>
-      </p:sp>
       <p:pic>
         <p:nvPicPr>
-          <p:cNvPr id="73" name="Shape 73"/>
+          <p:cNvPr id="71" name="Shape 71"/>
           <p:cNvPicPr preferRelativeResize="0"/>
           <p:nvPr/>
         </p:nvPicPr>
@@ -5123,8 +4849,8 @@
         </p:blipFill>
         <p:spPr>
           <a:xfrm>
-            <a:off x="3865650" y="1450200"/>
-            <a:ext cx="4918573" cy="2600700"/>
+            <a:off x="152400" y="152400"/>
+            <a:ext cx="8524875" cy="4162425"/>
           </a:xfrm>
           <a:prstGeom prst="rect">
             <a:avLst/>
@@ -5151,7 +4877,7 @@
   <p:cSld>
     <p:spTree>
       <p:nvGrpSpPr>
-        <p:cNvPr id="77" name="Shape 77"/>
+        <p:cNvPr id="75" name="Shape 75"/>
         <p:cNvGrpSpPr/>
         <p:nvPr/>
       </p:nvGrpSpPr>
@@ -5165,7 +4891,7 @@
       </p:grpSpPr>
       <p:sp>
         <p:nvSpPr>
-          <p:cNvPr id="78" name="Shape 78"/>
+          <p:cNvPr id="76" name="Shape 76"/>
           <p:cNvSpPr txBox="1"/>
           <p:nvPr>
             <p:ph type="title"/>
@@ -5173,7 +4899,7 @@
         </p:nvSpPr>
         <p:spPr>
           <a:xfrm>
-            <a:off x="311700" y="445025"/>
+            <a:off x="311700" y="447475"/>
             <a:ext cx="8520599" cy="572699"/>
           </a:xfrm>
           <a:prstGeom prst="rect">
@@ -5194,21 +4920,21 @@
             </a:pPr>
             <a:r>
               <a:rPr lang="sv"/>
-              <a:t>Features</a:t>
+              <a:t>Powerups and Powerdowns</a:t>
             </a:r>
           </a:p>
         </p:txBody>
       </p:sp>
       <p:sp>
         <p:nvSpPr>
-          <p:cNvPr id="79" name="Shape 79"/>
+          <p:cNvPr id="77" name="Shape 77"/>
           <p:cNvSpPr txBox="1"/>
           <p:nvPr/>
         </p:nvSpPr>
         <p:spPr>
           <a:xfrm>
-            <a:off x="2283750" y="1714525"/>
-            <a:ext cx="2371800" cy="2073600"/>
+            <a:off x="1810600" y="903250"/>
+            <a:ext cx="3970200" cy="2387399"/>
           </a:xfrm>
           <a:prstGeom prst="rect">
             <a:avLst/>
@@ -5224,12 +4950,200 @@
           </a:bodyPr>
           <a:lstStyle/>
           <a:p>
+            <a:pPr lvl="0" rtl="0">
+              <a:spcBef>
+                <a:spcPts val="0"/>
+              </a:spcBef>
+              <a:buNone/>
+            </a:pPr>
+            <a:r>
+              <a:t/>
+            </a:r>
+            <a:endParaRPr>
+              <a:solidFill>
+                <a:srgbClr val="FFFFFF"/>
+              </a:solidFill>
+            </a:endParaRPr>
+          </a:p>
+          <a:p>
+            <a:pPr lvl="0" rtl="0">
+              <a:spcBef>
+                <a:spcPts val="0"/>
+              </a:spcBef>
+              <a:buNone/>
+            </a:pPr>
+            <a:r>
+              <a:t/>
+            </a:r>
+            <a:endParaRPr>
+              <a:solidFill>
+                <a:schemeClr val="dk1"/>
+              </a:solidFill>
+            </a:endParaRPr>
+          </a:p>
+          <a:p>
+            <a:pPr lvl="0" rtl="0">
+              <a:spcBef>
+                <a:spcPts val="0"/>
+              </a:spcBef>
+              <a:buNone/>
+            </a:pPr>
+            <a:r>
+              <a:t/>
+            </a:r>
+            <a:endParaRPr>
+              <a:solidFill>
+                <a:srgbClr val="FFFFFF"/>
+              </a:solidFill>
+            </a:endParaRPr>
+          </a:p>
+          <a:p>
             <a:pPr indent="-228600" lvl="0" marL="457200" rtl="0">
               <a:spcBef>
                 <a:spcPts val="0"/>
               </a:spcBef>
               <a:buClr>
-                <a:schemeClr val="dk1"/>
+                <a:srgbClr val="FFFFFF"/>
+              </a:buClr>
+              <a:buChar char="●"/>
+            </a:pPr>
+            <a:r>
+              <a:rPr lang="sv">
+                <a:solidFill>
+                  <a:srgbClr val="FFFFFF"/>
+                </a:solidFill>
+              </a:rPr>
+              <a:t>Increased speed</a:t>
+            </a:r>
+          </a:p>
+          <a:p>
+            <a:pPr lvl="0" rtl="0">
+              <a:spcBef>
+                <a:spcPts val="0"/>
+              </a:spcBef>
+              <a:buNone/>
+            </a:pPr>
+            <a:r>
+              <a:t/>
+            </a:r>
+            <a:endParaRPr>
+              <a:solidFill>
+                <a:srgbClr val="FFFFFF"/>
+              </a:solidFill>
+            </a:endParaRPr>
+          </a:p>
+          <a:p>
+            <a:pPr indent="-228600" lvl="0" marL="457200" rtl="0">
+              <a:spcBef>
+                <a:spcPts val="0"/>
+              </a:spcBef>
+              <a:buClr>
+                <a:srgbClr val="FFFFFF"/>
+              </a:buClr>
+              <a:buChar char="●"/>
+            </a:pPr>
+            <a:r>
+              <a:rPr lang="sv">
+                <a:solidFill>
+                  <a:srgbClr val="FFFFFF"/>
+                </a:solidFill>
+              </a:rPr>
+              <a:t>Increased damage</a:t>
+            </a:r>
+          </a:p>
+          <a:p>
+            <a:pPr lvl="0" rtl="0">
+              <a:spcBef>
+                <a:spcPts val="0"/>
+              </a:spcBef>
+              <a:buNone/>
+            </a:pPr>
+            <a:r>
+              <a:t/>
+            </a:r>
+            <a:endParaRPr>
+              <a:solidFill>
+                <a:srgbClr val="FFFFFF"/>
+              </a:solidFill>
+            </a:endParaRPr>
+          </a:p>
+          <a:p>
+            <a:pPr indent="-228600" lvl="0" marL="457200" rtl="0">
+              <a:spcBef>
+                <a:spcPts val="0"/>
+              </a:spcBef>
+              <a:buClr>
+                <a:srgbClr val="FFFFFF"/>
+              </a:buClr>
+              <a:buChar char="●"/>
+            </a:pPr>
+            <a:r>
+              <a:rPr lang="sv">
+                <a:solidFill>
+                  <a:srgbClr val="FFFFFF"/>
+                </a:solidFill>
+              </a:rPr>
+              <a:t>Sticky ammunition</a:t>
+            </a:r>
+          </a:p>
+          <a:p>
+            <a:pPr lvl="0" rtl="0">
+              <a:spcBef>
+                <a:spcPts val="0"/>
+              </a:spcBef>
+              <a:buNone/>
+            </a:pPr>
+            <a:r>
+              <a:t/>
+            </a:r>
+            <a:endParaRPr>
+              <a:solidFill>
+                <a:srgbClr val="FFFFFF"/>
+              </a:solidFill>
+            </a:endParaRPr>
+          </a:p>
+          <a:p>
+            <a:pPr indent="-228600" lvl="0" marL="457200" rtl="0">
+              <a:spcBef>
+                <a:spcPts val="0"/>
+              </a:spcBef>
+              <a:buClr>
+                <a:srgbClr val="FFFFFF"/>
+              </a:buClr>
+              <a:buChar char="●"/>
+            </a:pPr>
+            <a:r>
+              <a:rPr lang="sv">
+                <a:solidFill>
+                  <a:srgbClr val="FFFFFF"/>
+                </a:solidFill>
+              </a:rPr>
+              <a:t>Shield</a:t>
+            </a:r>
+          </a:p>
+          <a:p>
+            <a:pPr lvl="0" rtl="0">
+              <a:spcBef>
+                <a:spcPts val="0"/>
+              </a:spcBef>
+              <a:buNone/>
+            </a:pPr>
+            <a:r>
+              <a:t/>
+            </a:r>
+            <a:endParaRPr>
+              <a:solidFill>
+                <a:srgbClr val="FFFFFF"/>
+              </a:solidFill>
+            </a:endParaRPr>
+          </a:p>
+          <a:p>
+            <a:pPr indent="-228600" lvl="0" marL="457200" rtl="0">
+              <a:spcBef>
+                <a:spcPts val="0"/>
+              </a:spcBef>
+              <a:buClr>
+                <a:srgbClr val="FFFFFF"/>
               </a:buClr>
               <a:buChar char="●"/>
             </a:pPr>
@@ -5239,7 +5153,7 @@
                   <a:schemeClr val="dk1"/>
                 </a:solidFill>
               </a:rPr>
-              <a:t>Portals</a:t>
+              <a:t>Reduced speed</a:t>
             </a:r>
           </a:p>
           <a:p>
@@ -5274,61 +5188,14 @@
                   <a:schemeClr val="dk1"/>
                 </a:solidFill>
               </a:rPr>
-              <a:t>Spawn protection</a:t>
+              <a:t>Extreme overheat</a:t>
             </a:r>
-          </a:p>
-          <a:p>
-            <a:pPr lvl="0" rtl="0">
-              <a:spcBef>
-                <a:spcPts val="0"/>
-              </a:spcBef>
-              <a:buNone/>
-            </a:pPr>
-            <a:r>
-              <a:t/>
-            </a:r>
-            <a:endParaRPr>
-              <a:solidFill>
-                <a:schemeClr val="dk1"/>
-              </a:solidFill>
-            </a:endParaRPr>
-          </a:p>
-          <a:p>
-            <a:pPr indent="-228600" lvl="0" marL="457200" rtl="0">
-              <a:spcBef>
-                <a:spcPts val="0"/>
-              </a:spcBef>
-              <a:buClr>
-                <a:schemeClr val="dk1"/>
-              </a:buClr>
-              <a:buChar char="●"/>
-            </a:pPr>
-            <a:r>
-              <a:rPr lang="sv">
-                <a:solidFill>
-                  <a:schemeClr val="dk1"/>
-                </a:solidFill>
-              </a:rPr>
-              <a:t>Overheat</a:t>
-            </a:r>
-          </a:p>
-          <a:p>
-            <a:pPr lvl="0">
-              <a:spcBef>
-                <a:spcPts val="0"/>
-              </a:spcBef>
-              <a:buNone/>
-            </a:pPr>
-            <a:r>
-              <a:t/>
-            </a:r>
-            <a:endParaRPr/>
           </a:p>
         </p:txBody>
       </p:sp>
       <p:pic>
         <p:nvPicPr>
-          <p:cNvPr id="80" name="Shape 80"/>
+          <p:cNvPr id="78" name="Shape 78"/>
           <p:cNvPicPr preferRelativeResize="0"/>
           <p:nvPr/>
         </p:nvPicPr>
@@ -5342,8 +5209,8 @@
         </p:blipFill>
         <p:spPr>
           <a:xfrm>
-            <a:off x="5191750" y="3295425"/>
-            <a:ext cx="1650300" cy="1312724"/>
+            <a:off x="6412725" y="3090175"/>
+            <a:ext cx="1490099" cy="1229925"/>
           </a:xfrm>
           <a:prstGeom prst="rect">
             <a:avLst/>
@@ -5356,7 +5223,7 @@
       </p:pic>
       <p:pic>
         <p:nvPicPr>
-          <p:cNvPr id="81" name="Shape 81"/>
+          <p:cNvPr id="79" name="Shape 79"/>
           <p:cNvPicPr preferRelativeResize="0"/>
           <p:nvPr/>
         </p:nvPicPr>
@@ -5370,8 +5237,8 @@
         </p:blipFill>
         <p:spPr>
           <a:xfrm>
-            <a:off x="6162087" y="1619662"/>
-            <a:ext cx="1466850" cy="1171575"/>
+            <a:off x="6571975" y="1200875"/>
+            <a:ext cx="1171575" cy="895350"/>
           </a:xfrm>
           <a:prstGeom prst="rect">
             <a:avLst/>
@@ -5398,7 +5265,7 @@
   <p:cSld>
     <p:spTree>
       <p:nvGrpSpPr>
-        <p:cNvPr id="85" name="Shape 85"/>
+        <p:cNvPr id="83" name="Shape 83"/>
         <p:cNvGrpSpPr/>
         <p:nvPr/>
       </p:nvGrpSpPr>
@@ -5412,7 +5279,7 @@
       </p:grpSpPr>
       <p:sp>
         <p:nvSpPr>
-          <p:cNvPr id="86" name="Shape 86"/>
+          <p:cNvPr id="84" name="Shape 84"/>
           <p:cNvSpPr txBox="1"/>
           <p:nvPr>
             <p:ph type="title"/>
@@ -5420,7 +5287,7 @@
         </p:nvSpPr>
         <p:spPr>
           <a:xfrm>
-            <a:off x="311700" y="447475"/>
+            <a:off x="311700" y="445025"/>
             <a:ext cx="8520599" cy="572699"/>
           </a:xfrm>
           <a:prstGeom prst="rect">
@@ -5441,21 +5308,49 @@
             </a:pPr>
             <a:r>
               <a:rPr lang="sv"/>
-              <a:t>Features</a:t>
+              <a:t>The Future</a:t>
             </a:r>
           </a:p>
         </p:txBody>
       </p:sp>
+      <p:pic>
+        <p:nvPicPr>
+          <p:cNvPr id="85" name="Shape 85"/>
+          <p:cNvPicPr preferRelativeResize="0"/>
+          <p:nvPr/>
+        </p:nvPicPr>
+        <p:blipFill>
+          <a:blip r:embed="rId3">
+            <a:alphaModFix/>
+          </a:blip>
+          <a:stretch>
+            <a:fillRect/>
+          </a:stretch>
+        </p:blipFill>
+        <p:spPr>
+          <a:xfrm>
+            <a:off x="5093576" y="1246300"/>
+            <a:ext cx="3617575" cy="3712550"/>
+          </a:xfrm>
+          <a:prstGeom prst="rect">
+            <a:avLst/>
+          </a:prstGeom>
+          <a:noFill/>
+          <a:ln>
+            <a:noFill/>
+          </a:ln>
+        </p:spPr>
+      </p:pic>
       <p:sp>
         <p:nvSpPr>
-          <p:cNvPr id="87" name="Shape 87"/>
+          <p:cNvPr id="86" name="Shape 86"/>
           <p:cNvSpPr txBox="1"/>
           <p:nvPr/>
         </p:nvSpPr>
         <p:spPr>
           <a:xfrm>
-            <a:off x="1823775" y="1378050"/>
-            <a:ext cx="3970200" cy="2387399"/>
+            <a:off x="975950" y="1609000"/>
+            <a:ext cx="3448800" cy="3119100"/>
           </a:xfrm>
           <a:prstGeom prst="rect">
             <a:avLst/>
@@ -5471,20 +5366,23 @@
           </a:bodyPr>
           <a:lstStyle/>
           <a:p>
-            <a:pPr lvl="0" rtl="0">
-              <a:spcBef>
-                <a:spcPts val="0"/>
-              </a:spcBef>
-              <a:buNone/>
+            <a:pPr indent="-228600" lvl="0" marL="457200" rtl="0">
+              <a:spcBef>
+                <a:spcPts val="0"/>
+              </a:spcBef>
+              <a:buClr>
+                <a:schemeClr val="dk1"/>
+              </a:buClr>
+              <a:buChar char="●"/>
             </a:pPr>
             <a:r>
-              <a:t/>
+              <a:rPr lang="sv">
+                <a:solidFill>
+                  <a:schemeClr val="dk1"/>
+                </a:solidFill>
+              </a:rPr>
+              <a:t>Upcoming patch</a:t>
             </a:r>
-            <a:endParaRPr>
-              <a:solidFill>
-                <a:srgbClr val="FFFFFF"/>
-              </a:solidFill>
-            </a:endParaRPr>
           </a:p>
           <a:p>
             <a:pPr lvl="0" rtl="0">
@@ -5518,7 +5416,7 @@
                   <a:schemeClr val="dk1"/>
                 </a:solidFill>
               </a:rPr>
-              <a:t>Powerups</a:t>
+              <a:t>Free DLC</a:t>
             </a:r>
           </a:p>
           <a:p>
@@ -5533,7 +5431,7 @@
             </a:r>
             <a:endParaRPr>
               <a:solidFill>
-                <a:srgbClr val="FFFFFF"/>
+                <a:schemeClr val="dk1"/>
               </a:solidFill>
             </a:endParaRPr>
           </a:p>
@@ -5543,21 +5441,21 @@
                 <a:spcPts val="0"/>
               </a:spcBef>
               <a:buClr>
-                <a:srgbClr val="FFFFFF"/>
+                <a:schemeClr val="dk1"/>
               </a:buClr>
               <a:buChar char="●"/>
             </a:pPr>
             <a:r>
               <a:rPr lang="sv">
                 <a:solidFill>
-                  <a:srgbClr val="FFFFFF"/>
+                  <a:schemeClr val="dk1"/>
                 </a:solidFill>
               </a:rPr>
-              <a:t>Increased or reduced speed</a:t>
+              <a:t>Potato pack</a:t>
             </a:r>
           </a:p>
           <a:p>
-            <a:pPr lvl="0" rtl="0">
+            <a:pPr lvl="0">
               <a:spcBef>
                 <a:spcPts val="0"/>
               </a:spcBef>
@@ -5568,129 +5466,12 @@
             </a:r>
             <a:endParaRPr>
               <a:solidFill>
-                <a:srgbClr val="FFFFFF"/>
+                <a:schemeClr val="dk1"/>
               </a:solidFill>
             </a:endParaRPr>
           </a:p>
-          <a:p>
-            <a:pPr indent="-228600" lvl="0" marL="457200" rtl="0">
-              <a:spcBef>
-                <a:spcPts val="0"/>
-              </a:spcBef>
-              <a:buClr>
-                <a:srgbClr val="FFFFFF"/>
-              </a:buClr>
-              <a:buChar char="●"/>
-            </a:pPr>
-            <a:r>
-              <a:rPr lang="sv">
-                <a:solidFill>
-                  <a:srgbClr val="FFFFFF"/>
-                </a:solidFill>
-              </a:rPr>
-              <a:t>Increased damage</a:t>
-            </a:r>
-          </a:p>
-          <a:p>
-            <a:pPr lvl="0" rtl="0">
-              <a:spcBef>
-                <a:spcPts val="0"/>
-              </a:spcBef>
-              <a:buNone/>
-            </a:pPr>
-            <a:r>
-              <a:t/>
-            </a:r>
-            <a:endParaRPr>
-              <a:solidFill>
-                <a:srgbClr val="FFFFFF"/>
-              </a:solidFill>
-            </a:endParaRPr>
-          </a:p>
-          <a:p>
-            <a:pPr indent="-228600" lvl="0" marL="457200" rtl="0">
-              <a:spcBef>
-                <a:spcPts val="0"/>
-              </a:spcBef>
-              <a:buClr>
-                <a:srgbClr val="FFFFFF"/>
-              </a:buClr>
-              <a:buChar char="●"/>
-            </a:pPr>
-            <a:r>
-              <a:rPr lang="sv">
-                <a:solidFill>
-                  <a:srgbClr val="FFFFFF"/>
-                </a:solidFill>
-              </a:rPr>
-              <a:t>Sticky ammunition</a:t>
-            </a:r>
-          </a:p>
-          <a:p>
-            <a:pPr lvl="0" rtl="0">
-              <a:spcBef>
-                <a:spcPts val="0"/>
-              </a:spcBef>
-              <a:buNone/>
-            </a:pPr>
-            <a:r>
-              <a:t/>
-            </a:r>
-            <a:endParaRPr>
-              <a:solidFill>
-                <a:srgbClr val="FFFFFF"/>
-              </a:solidFill>
-            </a:endParaRPr>
-          </a:p>
-          <a:p>
-            <a:pPr indent="-228600" lvl="0" marL="457200">
-              <a:spcBef>
-                <a:spcPts val="0"/>
-              </a:spcBef>
-              <a:buClr>
-                <a:srgbClr val="FFFFFF"/>
-              </a:buClr>
-              <a:buChar char="●"/>
-            </a:pPr>
-            <a:r>
-              <a:rPr lang="sv">
-                <a:solidFill>
-                  <a:srgbClr val="FFFFFF"/>
-                </a:solidFill>
-              </a:rPr>
-              <a:t>Shield</a:t>
-            </a:r>
-          </a:p>
         </p:txBody>
       </p:sp>
-      <p:pic>
-        <p:nvPicPr>
-          <p:cNvPr id="88" name="Shape 88"/>
-          <p:cNvPicPr preferRelativeResize="0"/>
-          <p:nvPr/>
-        </p:nvPicPr>
-        <p:blipFill>
-          <a:blip r:embed="rId3">
-            <a:alphaModFix/>
-          </a:blip>
-          <a:stretch>
-            <a:fillRect/>
-          </a:stretch>
-        </p:blipFill>
-        <p:spPr>
-          <a:xfrm>
-            <a:off x="6412725" y="3090175"/>
-            <a:ext cx="1490099" cy="1229925"/>
-          </a:xfrm>
-          <a:prstGeom prst="rect">
-            <a:avLst/>
-          </a:prstGeom>
-          <a:noFill/>
-          <a:ln>
-            <a:noFill/>
-          </a:ln>
-        </p:spPr>
-      </p:pic>
     </p:spTree>
   </p:cSld>
   <p:clrMapOvr>
@@ -5703,6 +5484,285 @@
 </file>
 
 <file path=ppt/theme/theme1.xml><?xml version="1.0" encoding="utf-8"?>
+<a:theme xmlns:a="http://schemas.openxmlformats.org/drawingml/2006/main" xmlns:r="http://schemas.openxmlformats.org/officeDocument/2006/relationships" name="Custom Theme">
+  <a:themeElements>
+    <a:clrScheme name="Default">
+      <a:dk1>
+        <a:srgbClr val="000000"/>
+      </a:dk1>
+      <a:lt1>
+        <a:srgbClr val="FFFFFF"/>
+      </a:lt1>
+      <a:dk2>
+        <a:srgbClr val="158158"/>
+      </a:dk2>
+      <a:lt2>
+        <a:srgbClr val="F3F3F3"/>
+      </a:lt2>
+      <a:accent1>
+        <a:srgbClr val="058DC7"/>
+      </a:accent1>
+      <a:accent2>
+        <a:srgbClr val="50B432"/>
+      </a:accent2>
+      <a:accent3>
+        <a:srgbClr val="ED561B"/>
+      </a:accent3>
+      <a:accent4>
+        <a:srgbClr val="EDEF00"/>
+      </a:accent4>
+      <a:accent5>
+        <a:srgbClr val="24CBE5"/>
+      </a:accent5>
+      <a:accent6>
+        <a:srgbClr val="64E572"/>
+      </a:accent6>
+      <a:hlink>
+        <a:srgbClr val="2200CC"/>
+      </a:hlink>
+      <a:folHlink>
+        <a:srgbClr val="551A8B"/>
+      </a:folHlink>
+    </a:clrScheme>
+    <a:fontScheme name="Office">
+      <a:majorFont>
+        <a:latin typeface="Arial"/>
+        <a:ea typeface=""/>
+        <a:cs typeface=""/>
+        <a:font script="Jpan" typeface="ＭＳ Ｐゴシック"/>
+        <a:font script="Hang" typeface="맑은 고딕"/>
+        <a:font script="Hans" typeface="宋体"/>
+        <a:font script="Hant" typeface="新細明體"/>
+        <a:font script="Arab" typeface="Times New Roman"/>
+        <a:font script="Hebr" typeface="Times New Roman"/>
+        <a:font script="Thai" typeface="Angsana New"/>
+        <a:font script="Ethi" typeface="Nyala"/>
+        <a:font script="Beng" typeface="Vrinda"/>
+        <a:font script="Gujr" typeface="Shruti"/>
+        <a:font script="Khmr" typeface="MoolBoran"/>
+        <a:font script="Knda" typeface="Tunga"/>
+        <a:font script="Guru" typeface="Raavi"/>
+        <a:font script="Cans" typeface="Euphemia"/>
+        <a:font script="Cher" typeface="Plantagenet Cherokee"/>
+        <a:font script="Yiii" typeface="Microsoft Yi Baiti"/>
+        <a:font script="Tibt" typeface="Microsoft Himalaya"/>
+        <a:font script="Thaa" typeface="MV Boli"/>
+        <a:font script="Deva" typeface="Mangal"/>
+        <a:font script="Telu" typeface="Gautami"/>
+        <a:font script="Taml" typeface="Latha"/>
+        <a:font script="Syrc" typeface="Estrangelo Edessa"/>
+        <a:font script="Orya" typeface="Kalinga"/>
+        <a:font script="Mlym" typeface="Kartika"/>
+        <a:font script="Laoo" typeface="DokChampa"/>
+        <a:font script="Sinh" typeface="Iskoola Pota"/>
+        <a:font script="Mong" typeface="Mongolian Baiti"/>
+        <a:font script="Viet" typeface="Times New Roman"/>
+        <a:font script="Uigh" typeface="Microsoft Uighur"/>
+        <a:font script="Geor" typeface="Sylfaen"/>
+      </a:majorFont>
+      <a:minorFont>
+        <a:latin typeface="Arial"/>
+        <a:ea typeface=""/>
+        <a:cs typeface=""/>
+        <a:font script="Jpan" typeface="ＭＳ Ｐゴシック"/>
+        <a:font script="Hang" typeface="맑은 고딕"/>
+        <a:font script="Hans" typeface="宋体"/>
+        <a:font script="Hant" typeface="新細明體"/>
+        <a:font script="Arab" typeface="Arial"/>
+        <a:font script="Hebr" typeface="Arial"/>
+        <a:font script="Thai" typeface="Cordia New"/>
+        <a:font script="Ethi" typeface="Nyala"/>
+        <a:font script="Beng" typeface="Vrinda"/>
+        <a:font script="Gujr" typeface="Shruti"/>
+        <a:font script="Khmr" typeface="DaunPenh"/>
+        <a:font script="Knda" typeface="Tunga"/>
+        <a:font script="Guru" typeface="Raavi"/>
+        <a:font script="Cans" typeface="Euphemia"/>
+        <a:font script="Cher" typeface="Plantagenet Cherokee"/>
+        <a:font script="Yiii" typeface="Microsoft Yi Baiti"/>
+        <a:font script="Tibt" typeface="Microsoft Himalaya"/>
+        <a:font script="Thaa" typeface="MV Boli"/>
+        <a:font script="Deva" typeface="Mangal"/>
+        <a:font script="Telu" typeface="Gautami"/>
+        <a:font script="Taml" typeface="Latha"/>
+        <a:font script="Syrc" typeface="Estrangelo Edessa"/>
+        <a:font script="Orya" typeface="Kalinga"/>
+        <a:font script="Mlym" typeface="Kartika"/>
+        <a:font script="Laoo" typeface="DokChampa"/>
+        <a:font script="Sinh" typeface="Iskoola Pota"/>
+        <a:font script="Mong" typeface="Mongolian Baiti"/>
+        <a:font script="Viet" typeface="Arial"/>
+        <a:font script="Uigh" typeface="Microsoft Uighur"/>
+        <a:font script="Geor" typeface="Sylfaen"/>
+      </a:minorFont>
+    </a:fontScheme>
+    <a:fmtScheme name="Office">
+      <a:fillStyleLst>
+        <a:solidFill>
+          <a:schemeClr val="phClr"/>
+        </a:solidFill>
+        <a:gradFill rotWithShape="1">
+          <a:gsLst>
+            <a:gs pos="0">
+              <a:schemeClr val="phClr">
+                <a:tint val="50000"/>
+                <a:satMod val="300000"/>
+              </a:schemeClr>
+            </a:gs>
+            <a:gs pos="35000">
+              <a:schemeClr val="phClr">
+                <a:tint val="37000"/>
+                <a:satMod val="300000"/>
+              </a:schemeClr>
+            </a:gs>
+            <a:gs pos="100000">
+              <a:schemeClr val="phClr">
+                <a:tint val="15000"/>
+                <a:satMod val="350000"/>
+              </a:schemeClr>
+            </a:gs>
+          </a:gsLst>
+          <a:lin ang="16200000" scaled="1"/>
+        </a:gradFill>
+        <a:gradFill rotWithShape="1">
+          <a:gsLst>
+            <a:gs pos="0">
+              <a:schemeClr val="phClr">
+                <a:tint val="100000"/>
+                <a:shade val="100000"/>
+                <a:satMod val="130000"/>
+              </a:schemeClr>
+            </a:gs>
+            <a:gs pos="100000">
+              <a:schemeClr val="phClr">
+                <a:tint val="50000"/>
+                <a:shade val="100000"/>
+                <a:satMod val="350000"/>
+              </a:schemeClr>
+            </a:gs>
+          </a:gsLst>
+          <a:lin ang="16200000" scaled="0"/>
+        </a:gradFill>
+      </a:fillStyleLst>
+      <a:lnStyleLst>
+        <a:ln w="9525" cap="flat" cmpd="sng" algn="ctr">
+          <a:solidFill>
+            <a:schemeClr val="phClr">
+              <a:shade val="95000"/>
+              <a:satMod val="105000"/>
+            </a:schemeClr>
+          </a:solidFill>
+          <a:prstDash val="solid"/>
+        </a:ln>
+        <a:ln w="25400" cap="flat" cmpd="sng" algn="ctr">
+          <a:solidFill>
+            <a:schemeClr val="phClr"/>
+          </a:solidFill>
+          <a:prstDash val="solid"/>
+        </a:ln>
+        <a:ln w="38100" cap="flat" cmpd="sng" algn="ctr">
+          <a:solidFill>
+            <a:schemeClr val="phClr"/>
+          </a:solidFill>
+          <a:prstDash val="solid"/>
+        </a:ln>
+      </a:lnStyleLst>
+      <a:effectStyleLst>
+        <a:effectStyle>
+          <a:effectLst>
+            <a:outerShdw blurRad="40000" dist="20000" dir="5400000" rotWithShape="0">
+              <a:srgbClr val="000000">
+                <a:alpha val="38000"/>
+              </a:srgbClr>
+            </a:outerShdw>
+          </a:effectLst>
+        </a:effectStyle>
+        <a:effectStyle>
+          <a:effectLst>
+            <a:outerShdw blurRad="40000" dist="23000" dir="5400000" rotWithShape="0">
+              <a:srgbClr val="000000">
+                <a:alpha val="35000"/>
+              </a:srgbClr>
+            </a:outerShdw>
+          </a:effectLst>
+        </a:effectStyle>
+        <a:effectStyle>
+          <a:effectLst>
+            <a:outerShdw blurRad="40000" dist="23000" dir="5400000" rotWithShape="0">
+              <a:srgbClr val="000000">
+                <a:alpha val="35000"/>
+              </a:srgbClr>
+            </a:outerShdw>
+          </a:effectLst>
+          <a:scene3d>
+            <a:camera prst="orthographicFront">
+              <a:rot lat="0" lon="0" rev="0"/>
+            </a:camera>
+            <a:lightRig rig="threePt" dir="t">
+              <a:rot lat="0" lon="0" rev="1200000"/>
+            </a:lightRig>
+          </a:scene3d>
+          <a:sp3d>
+            <a:bevelT w="63500" h="25400"/>
+          </a:sp3d>
+        </a:effectStyle>
+      </a:effectStyleLst>
+      <a:bgFillStyleLst>
+        <a:solidFill>
+          <a:schemeClr val="phClr"/>
+        </a:solidFill>
+        <a:gradFill rotWithShape="1">
+          <a:gsLst>
+            <a:gs pos="0">
+              <a:schemeClr val="phClr">
+                <a:tint val="40000"/>
+                <a:satMod val="350000"/>
+              </a:schemeClr>
+            </a:gs>
+            <a:gs pos="40000">
+              <a:schemeClr val="phClr">
+                <a:tint val="45000"/>
+                <a:shade val="99000"/>
+                <a:satMod val="350000"/>
+              </a:schemeClr>
+            </a:gs>
+            <a:gs pos="100000">
+              <a:schemeClr val="phClr">
+                <a:shade val="20000"/>
+                <a:satMod val="255000"/>
+              </a:schemeClr>
+            </a:gs>
+          </a:gsLst>
+          <a:path path="circle">
+            <a:fillToRect l="50000" t="-80000" r="50000" b="180000"/>
+          </a:path>
+        </a:gradFill>
+        <a:gradFill rotWithShape="1">
+          <a:gsLst>
+            <a:gs pos="0">
+              <a:schemeClr val="phClr">
+                <a:tint val="80000"/>
+                <a:satMod val="300000"/>
+              </a:schemeClr>
+            </a:gs>
+            <a:gs pos="100000">
+              <a:schemeClr val="phClr">
+                <a:shade val="30000"/>
+                <a:satMod val="200000"/>
+              </a:schemeClr>
+            </a:gs>
+          </a:gsLst>
+          <a:path path="circle">
+            <a:fillToRect l="50000" t="50000" r="50000" b="50000"/>
+          </a:path>
+        </a:gradFill>
+      </a:bgFillStyleLst>
+    </a:fmtScheme>
+  </a:themeElements>
+</a:theme>
+</file>
+
+<file path=ppt/theme/theme2.xml><?xml version="1.0" encoding="utf-8"?>
 <a:theme xmlns:a="http://schemas.openxmlformats.org/drawingml/2006/main" xmlns:r="http://schemas.openxmlformats.org/officeDocument/2006/relationships" name="slate">
   <a:themeElements>
     <a:clrScheme name="Slate">
@@ -5979,283 +6039,4 @@
     </a:fmtScheme>
   </a:themeElements>
 </a:theme>
-</file>
-
-<file path=ppt/theme/theme2.xml><?xml version="1.0" encoding="utf-8"?>
-<a:theme xmlns:a="http://schemas.openxmlformats.org/drawingml/2006/main" xmlns:r="http://schemas.openxmlformats.org/officeDocument/2006/relationships" name="Custom Theme">
-  <a:themeElements>
-    <a:clrScheme name="Default">
-      <a:dk1>
-        <a:srgbClr val="000000"/>
-      </a:dk1>
-      <a:lt1>
-        <a:srgbClr val="FFFFFF"/>
-      </a:lt1>
-      <a:dk2>
-        <a:srgbClr val="158158"/>
-      </a:dk2>
-      <a:lt2>
-        <a:srgbClr val="F3F3F3"/>
-      </a:lt2>
-      <a:accent1>
-        <a:srgbClr val="058DC7"/>
-      </a:accent1>
-      <a:accent2>
-        <a:srgbClr val="50B432"/>
-      </a:accent2>
-      <a:accent3>
-        <a:srgbClr val="ED561B"/>
-      </a:accent3>
-      <a:accent4>
-        <a:srgbClr val="EDEF00"/>
-      </a:accent4>
-      <a:accent5>
-        <a:srgbClr val="24CBE5"/>
-      </a:accent5>
-      <a:accent6>
-        <a:srgbClr val="64E572"/>
-      </a:accent6>
-      <a:hlink>
-        <a:srgbClr val="2200CC"/>
-      </a:hlink>
-      <a:folHlink>
-        <a:srgbClr val="551A8B"/>
-      </a:folHlink>
-    </a:clrScheme>
-    <a:fontScheme name="Office">
-      <a:majorFont>
-        <a:latin typeface="Arial"/>
-        <a:ea typeface=""/>
-        <a:cs typeface=""/>
-        <a:font script="Jpan" typeface="ＭＳ Ｐゴシック"/>
-        <a:font script="Hang" typeface="맑은 고딕"/>
-        <a:font script="Hans" typeface="宋体"/>
-        <a:font script="Hant" typeface="新細明體"/>
-        <a:font script="Arab" typeface="Times New Roman"/>
-        <a:font script="Hebr" typeface="Times New Roman"/>
-        <a:font script="Thai" typeface="Angsana New"/>
-        <a:font script="Ethi" typeface="Nyala"/>
-        <a:font script="Beng" typeface="Vrinda"/>
-        <a:font script="Gujr" typeface="Shruti"/>
-        <a:font script="Khmr" typeface="MoolBoran"/>
-        <a:font script="Knda" typeface="Tunga"/>
-        <a:font script="Guru" typeface="Raavi"/>
-        <a:font script="Cans" typeface="Euphemia"/>
-        <a:font script="Cher" typeface="Plantagenet Cherokee"/>
-        <a:font script="Yiii" typeface="Microsoft Yi Baiti"/>
-        <a:font script="Tibt" typeface="Microsoft Himalaya"/>
-        <a:font script="Thaa" typeface="MV Boli"/>
-        <a:font script="Deva" typeface="Mangal"/>
-        <a:font script="Telu" typeface="Gautami"/>
-        <a:font script="Taml" typeface="Latha"/>
-        <a:font script="Syrc" typeface="Estrangelo Edessa"/>
-        <a:font script="Orya" typeface="Kalinga"/>
-        <a:font script="Mlym" typeface="Kartika"/>
-        <a:font script="Laoo" typeface="DokChampa"/>
-        <a:font script="Sinh" typeface="Iskoola Pota"/>
-        <a:font script="Mong" typeface="Mongolian Baiti"/>
-        <a:font script="Viet" typeface="Times New Roman"/>
-        <a:font script="Uigh" typeface="Microsoft Uighur"/>
-        <a:font script="Geor" typeface="Sylfaen"/>
-      </a:majorFont>
-      <a:minorFont>
-        <a:latin typeface="Arial"/>
-        <a:ea typeface=""/>
-        <a:cs typeface=""/>
-        <a:font script="Jpan" typeface="ＭＳ Ｐゴシック"/>
-        <a:font script="Hang" typeface="맑은 고딕"/>
-        <a:font script="Hans" typeface="宋体"/>
-        <a:font script="Hant" typeface="新細明體"/>
-        <a:font script="Arab" typeface="Arial"/>
-        <a:font script="Hebr" typeface="Arial"/>
-        <a:font script="Thai" typeface="Cordia New"/>
-        <a:font script="Ethi" typeface="Nyala"/>
-        <a:font script="Beng" typeface="Vrinda"/>
-        <a:font script="Gujr" typeface="Shruti"/>
-        <a:font script="Khmr" typeface="DaunPenh"/>
-        <a:font script="Knda" typeface="Tunga"/>
-        <a:font script="Guru" typeface="Raavi"/>
-        <a:font script="Cans" typeface="Euphemia"/>
-        <a:font script="Cher" typeface="Plantagenet Cherokee"/>
-        <a:font script="Yiii" typeface="Microsoft Yi Baiti"/>
-        <a:font script="Tibt" typeface="Microsoft Himalaya"/>
-        <a:font script="Thaa" typeface="MV Boli"/>
-        <a:font script="Deva" typeface="Mangal"/>
-        <a:font script="Telu" typeface="Gautami"/>
-        <a:font script="Taml" typeface="Latha"/>
-        <a:font script="Syrc" typeface="Estrangelo Edessa"/>
-        <a:font script="Orya" typeface="Kalinga"/>
-        <a:font script="Mlym" typeface="Kartika"/>
-        <a:font script="Laoo" typeface="DokChampa"/>
-        <a:font script="Sinh" typeface="Iskoola Pota"/>
-        <a:font script="Mong" typeface="Mongolian Baiti"/>
-        <a:font script="Viet" typeface="Arial"/>
-        <a:font script="Uigh" typeface="Microsoft Uighur"/>
-        <a:font script="Geor" typeface="Sylfaen"/>
-      </a:minorFont>
-    </a:fontScheme>
-    <a:fmtScheme name="Office">
-      <a:fillStyleLst>
-        <a:solidFill>
-          <a:schemeClr val="phClr"/>
-        </a:solidFill>
-        <a:gradFill rotWithShape="1">
-          <a:gsLst>
-            <a:gs pos="0">
-              <a:schemeClr val="phClr">
-                <a:tint val="50000"/>
-                <a:satMod val="300000"/>
-              </a:schemeClr>
-            </a:gs>
-            <a:gs pos="35000">
-              <a:schemeClr val="phClr">
-                <a:tint val="37000"/>
-                <a:satMod val="300000"/>
-              </a:schemeClr>
-            </a:gs>
-            <a:gs pos="100000">
-              <a:schemeClr val="phClr">
-                <a:tint val="15000"/>
-                <a:satMod val="350000"/>
-              </a:schemeClr>
-            </a:gs>
-          </a:gsLst>
-          <a:lin ang="16200000" scaled="1"/>
-        </a:gradFill>
-        <a:gradFill rotWithShape="1">
-          <a:gsLst>
-            <a:gs pos="0">
-              <a:schemeClr val="phClr">
-                <a:tint val="100000"/>
-                <a:shade val="100000"/>
-                <a:satMod val="130000"/>
-              </a:schemeClr>
-            </a:gs>
-            <a:gs pos="100000">
-              <a:schemeClr val="phClr">
-                <a:tint val="50000"/>
-                <a:shade val="100000"/>
-                <a:satMod val="350000"/>
-              </a:schemeClr>
-            </a:gs>
-          </a:gsLst>
-          <a:lin ang="16200000" scaled="0"/>
-        </a:gradFill>
-      </a:fillStyleLst>
-      <a:lnStyleLst>
-        <a:ln w="9525" cap="flat" cmpd="sng" algn="ctr">
-          <a:solidFill>
-            <a:schemeClr val="phClr">
-              <a:shade val="95000"/>
-              <a:satMod val="105000"/>
-            </a:schemeClr>
-          </a:solidFill>
-          <a:prstDash val="solid"/>
-        </a:ln>
-        <a:ln w="25400" cap="flat" cmpd="sng" algn="ctr">
-          <a:solidFill>
-            <a:schemeClr val="phClr"/>
-          </a:solidFill>
-          <a:prstDash val="solid"/>
-        </a:ln>
-        <a:ln w="38100" cap="flat" cmpd="sng" algn="ctr">
-          <a:solidFill>
-            <a:schemeClr val="phClr"/>
-          </a:solidFill>
-          <a:prstDash val="solid"/>
-        </a:ln>
-      </a:lnStyleLst>
-      <a:effectStyleLst>
-        <a:effectStyle>
-          <a:effectLst>
-            <a:outerShdw blurRad="40000" dist="20000" dir="5400000" rotWithShape="0">
-              <a:srgbClr val="000000">
-                <a:alpha val="38000"/>
-              </a:srgbClr>
-            </a:outerShdw>
-          </a:effectLst>
-        </a:effectStyle>
-        <a:effectStyle>
-          <a:effectLst>
-            <a:outerShdw blurRad="40000" dist="23000" dir="5400000" rotWithShape="0">
-              <a:srgbClr val="000000">
-                <a:alpha val="35000"/>
-              </a:srgbClr>
-            </a:outerShdw>
-          </a:effectLst>
-        </a:effectStyle>
-        <a:effectStyle>
-          <a:effectLst>
-            <a:outerShdw blurRad="40000" dist="23000" dir="5400000" rotWithShape="0">
-              <a:srgbClr val="000000">
-                <a:alpha val="35000"/>
-              </a:srgbClr>
-            </a:outerShdw>
-          </a:effectLst>
-          <a:scene3d>
-            <a:camera prst="orthographicFront">
-              <a:rot lat="0" lon="0" rev="0"/>
-            </a:camera>
-            <a:lightRig rig="threePt" dir="t">
-              <a:rot lat="0" lon="0" rev="1200000"/>
-            </a:lightRig>
-          </a:scene3d>
-          <a:sp3d>
-            <a:bevelT w="63500" h="25400"/>
-          </a:sp3d>
-        </a:effectStyle>
-      </a:effectStyleLst>
-      <a:bgFillStyleLst>
-        <a:solidFill>
-          <a:schemeClr val="phClr"/>
-        </a:solidFill>
-        <a:gradFill rotWithShape="1">
-          <a:gsLst>
-            <a:gs pos="0">
-              <a:schemeClr val="phClr">
-                <a:tint val="40000"/>
-                <a:satMod val="350000"/>
-              </a:schemeClr>
-            </a:gs>
-            <a:gs pos="40000">
-              <a:schemeClr val="phClr">
-                <a:tint val="45000"/>
-                <a:shade val="99000"/>
-                <a:satMod val="350000"/>
-              </a:schemeClr>
-            </a:gs>
-            <a:gs pos="100000">
-              <a:schemeClr val="phClr">
-                <a:shade val="20000"/>
-                <a:satMod val="255000"/>
-              </a:schemeClr>
-            </a:gs>
-          </a:gsLst>
-          <a:path path="circle">
-            <a:fillToRect l="50000" t="-80000" r="50000" b="180000"/>
-          </a:path>
-        </a:gradFill>
-        <a:gradFill rotWithShape="1">
-          <a:gsLst>
-            <a:gs pos="0">
-              <a:schemeClr val="phClr">
-                <a:tint val="80000"/>
-                <a:satMod val="300000"/>
-              </a:schemeClr>
-            </a:gs>
-            <a:gs pos="100000">
-              <a:schemeClr val="phClr">
-                <a:shade val="30000"/>
-                <a:satMod val="200000"/>
-              </a:schemeClr>
-            </a:gs>
-          </a:gsLst>
-          <a:path path="circle">
-            <a:fillToRect l="50000" t="50000" r="50000" b="50000"/>
-          </a:path>
-        </a:gradFill>
-      </a:bgFillStyleLst>
-    </a:fmtScheme>
-  </a:themeElements>
-</a:theme>
 </file>